--- a/project/ERD.pptx
+++ b/project/ERD.pptx
@@ -104,6 +104,11 @@
       </a:defRPr>
     </a:lvl9pPr>
   </p:defaultTextStyle>
+  <p:extLst>
+    <p:ext uri="{EFAFB233-063F-42B5-8137-9DF3F51BA10A}">
+      <p15:sldGuideLst xmlns:p15="http://schemas.microsoft.com/office/powerpoint/2012/main"/>
+    </p:ext>
+  </p:extLst>
 </p:presentation>
 </file>
 
@@ -152,7 +157,6 @@
               <a:rPr lang="en-US"/>
               <a:t>Click to edit Master title style</a:t>
             </a:r>
-            <a:endParaRPr lang="en-US"/>
           </a:p>
         </p:txBody>
       </p:sp>
@@ -217,7 +221,6 @@
               <a:rPr lang="en-US"/>
               <a:t>Click to edit Master subtitle style</a:t>
             </a:r>
-            <a:endParaRPr lang="en-US"/>
           </a:p>
         </p:txBody>
       </p:sp>
@@ -335,7 +338,6 @@
               <a:rPr lang="en-US"/>
               <a:t>Click to edit Master title style</a:t>
             </a:r>
-            <a:endParaRPr lang="en-US"/>
           </a:p>
         </p:txBody>
       </p:sp>
@@ -387,7 +389,6 @@
               <a:rPr lang="en-US"/>
               <a:t>Fifth level</a:t>
             </a:r>
-            <a:endParaRPr lang="en-US"/>
           </a:p>
         </p:txBody>
       </p:sp>
@@ -510,7 +511,6 @@
               <a:rPr lang="en-US"/>
               <a:t>Click to edit Master title style</a:t>
             </a:r>
-            <a:endParaRPr lang="en-US"/>
           </a:p>
         </p:txBody>
       </p:sp>
@@ -567,7 +567,6 @@
               <a:rPr lang="en-US"/>
               <a:t>Fifth level</a:t>
             </a:r>
-            <a:endParaRPr lang="en-US"/>
           </a:p>
         </p:txBody>
       </p:sp>
@@ -685,7 +684,6 @@
               <a:rPr lang="en-US"/>
               <a:t>Click to edit Master title style</a:t>
             </a:r>
-            <a:endParaRPr lang="en-US"/>
           </a:p>
         </p:txBody>
       </p:sp>
@@ -737,7 +735,6 @@
               <a:rPr lang="en-US"/>
               <a:t>Fifth level</a:t>
             </a:r>
-            <a:endParaRPr lang="en-US"/>
           </a:p>
         </p:txBody>
       </p:sp>
@@ -864,7 +861,6 @@
               <a:rPr lang="en-US"/>
               <a:t>Click to edit Master title style</a:t>
             </a:r>
-            <a:endParaRPr lang="en-US"/>
           </a:p>
         </p:txBody>
       </p:sp>
@@ -1101,7 +1097,6 @@
               <a:rPr lang="en-US"/>
               <a:t>Click to edit Master title style</a:t>
             </a:r>
-            <a:endParaRPr lang="en-US"/>
           </a:p>
         </p:txBody>
       </p:sp>
@@ -1158,7 +1153,6 @@
               <a:rPr lang="en-US"/>
               <a:t>Fifth level</a:t>
             </a:r>
-            <a:endParaRPr lang="en-US"/>
           </a:p>
         </p:txBody>
       </p:sp>
@@ -1215,7 +1209,6 @@
               <a:rPr lang="en-US"/>
               <a:t>Fifth level</a:t>
             </a:r>
-            <a:endParaRPr lang="en-US"/>
           </a:p>
         </p:txBody>
       </p:sp>
@@ -1338,7 +1331,6 @@
               <a:rPr lang="en-US"/>
               <a:t>Click to edit Master title style</a:t>
             </a:r>
-            <a:endParaRPr lang="en-US"/>
           </a:p>
         </p:txBody>
       </p:sp>
@@ -1460,7 +1452,6 @@
               <a:rPr lang="en-US"/>
               <a:t>Fifth level</a:t>
             </a:r>
-            <a:endParaRPr lang="en-US"/>
           </a:p>
         </p:txBody>
       </p:sp>
@@ -1582,7 +1573,6 @@
               <a:rPr lang="en-US"/>
               <a:t>Fifth level</a:t>
             </a:r>
-            <a:endParaRPr lang="en-US"/>
           </a:p>
         </p:txBody>
       </p:sp>
@@ -1700,7 +1690,6 @@
               <a:rPr lang="en-US"/>
               <a:t>Click to edit Master title style</a:t>
             </a:r>
-            <a:endParaRPr lang="en-US"/>
           </a:p>
         </p:txBody>
       </p:sp>
@@ -1922,7 +1911,6 @@
               <a:rPr lang="en-US"/>
               <a:t>Click to edit Master title style</a:t>
             </a:r>
-            <a:endParaRPr lang="en-US"/>
           </a:p>
         </p:txBody>
       </p:sp>
@@ -2007,7 +1995,6 @@
               <a:rPr lang="en-US"/>
               <a:t>Fifth level</a:t>
             </a:r>
-            <a:endParaRPr lang="en-US"/>
           </a:p>
         </p:txBody>
       </p:sp>
@@ -2199,7 +2186,6 @@
               <a:rPr lang="en-US"/>
               <a:t>Click to edit Master title style</a:t>
             </a:r>
-            <a:endParaRPr lang="en-US"/>
           </a:p>
         </p:txBody>
       </p:sp>
@@ -2458,7 +2444,6 @@
               <a:rPr lang="en-US"/>
               <a:t>Click to edit Master title style</a:t>
             </a:r>
-            <a:endParaRPr lang="en-US"/>
           </a:p>
         </p:txBody>
       </p:sp>
@@ -2520,7 +2505,6 @@
               <a:rPr lang="en-US"/>
               <a:t>Fifth level</a:t>
             </a:r>
-            <a:endParaRPr lang="en-US"/>
           </a:p>
         </p:txBody>
       </p:sp>
@@ -4182,8 +4166,8 @@
           <a:p>
             <a:pPr algn="ctr"/>
             <a:r>
-              <a:rPr lang="en-US" sz="1000" dirty="0"/>
-              <a:t>Year Founded</a:t>
+              <a:rPr lang="en-US" sz="1600" dirty="0"/>
+              <a:t>City</a:t>
             </a:r>
           </a:p>
         </p:txBody>
@@ -4232,7 +4216,7 @@
             <a:pPr algn="ctr"/>
             <a:r>
               <a:rPr lang="en-US" sz="1000" dirty="0"/>
-              <a:t>Year Founded</a:t>
+              <a:t>Founded</a:t>
             </a:r>
           </a:p>
         </p:txBody>
@@ -4245,7 +4229,7 @@
         </p:nvSpPr>
         <p:spPr>
           <a:xfrm>
-            <a:off x="2193176" y="6053355"/>
+            <a:off x="1612594" y="6070476"/>
             <a:ext cx="918594" cy="453005"/>
           </a:xfrm>
           <a:prstGeom prst="ellipse">
@@ -4288,13 +4272,13 @@
       </p:sp>
       <p:sp>
         <p:nvSpPr>
-          <p:cNvPr id="59" name="Oval 58"/>
+          <p:cNvPr id="60" name="Oval 59"/>
           <p:cNvSpPr/>
           <p:nvPr/>
         </p:nvSpPr>
         <p:spPr>
           <a:xfrm>
-            <a:off x="1274582" y="5719194"/>
+            <a:off x="812054" y="5556374"/>
             <a:ext cx="918594" cy="453005"/>
           </a:xfrm>
           <a:prstGeom prst="ellipse">
@@ -4329,57 +4313,8 @@
           <a:p>
             <a:pPr algn="ctr"/>
             <a:r>
-              <a:rPr lang="en-US" sz="1000" dirty="0"/>
-              <a:t>Quantity</a:t>
-            </a:r>
-          </a:p>
-        </p:txBody>
-      </p:sp>
-      <p:sp>
-        <p:nvSpPr>
-          <p:cNvPr id="60" name="Oval 59"/>
-          <p:cNvSpPr/>
-          <p:nvPr/>
-        </p:nvSpPr>
-        <p:spPr>
-          <a:xfrm>
-            <a:off x="815285" y="5091417"/>
-            <a:ext cx="918594" cy="453005"/>
-          </a:xfrm>
-          <a:prstGeom prst="ellipse">
-            <a:avLst/>
-          </a:prstGeom>
-          <a:solidFill>
-            <a:schemeClr val="accent6">
-              <a:lumMod val="60000"/>
-              <a:lumOff val="40000"/>
-            </a:schemeClr>
-          </a:solidFill>
-        </p:spPr>
-        <p:style>
-          <a:lnRef idx="2">
-            <a:schemeClr val="accent6">
-              <a:shade val="50000"/>
-            </a:schemeClr>
-          </a:lnRef>
-          <a:fillRef idx="1">
-            <a:schemeClr val="accent6"/>
-          </a:fillRef>
-          <a:effectRef idx="0">
-            <a:schemeClr val="accent6"/>
-          </a:effectRef>
-          <a:fontRef idx="minor">
-            <a:schemeClr val="lt1"/>
-          </a:fontRef>
-        </p:style>
-        <p:txBody>
-          <a:bodyPr rtlCol="0" anchor="ctr"/>
-          <a:lstStyle/>
-          <a:p>
-            <a:pPr algn="ctr"/>
-            <a:r>
-              <a:rPr lang="en-US" sz="1200" dirty="0"/>
-              <a:t>Variety</a:t>
+              <a:rPr lang="en-US" dirty="0"/>
+              <a:t>Type</a:t>
             </a:r>
           </a:p>
         </p:txBody>
@@ -5533,47 +5468,16 @@
         <p:nvCxnSpPr>
           <p:cNvPr id="107" name="Straight Connector 106"/>
           <p:cNvCxnSpPr>
+            <a:cxnSpLocks/>
             <a:stCxn id="60" idx="6"/>
-            <a:endCxn id="8" idx="1"/>
+            <a:endCxn id="8" idx="2"/>
           </p:cNvCxnSpPr>
           <p:nvPr/>
         </p:nvCxnSpPr>
         <p:spPr>
           <a:xfrm flipV="1">
-            <a:off x="1733879" y="5194182"/>
-            <a:ext cx="707317" cy="123738"/>
-          </a:xfrm>
-          <a:prstGeom prst="line">
-            <a:avLst/>
-          </a:prstGeom>
-        </p:spPr>
-        <p:style>
-          <a:lnRef idx="1">
-            <a:schemeClr val="accent1"/>
-          </a:lnRef>
-          <a:fillRef idx="0">
-            <a:schemeClr val="accent1"/>
-          </a:fillRef>
-          <a:effectRef idx="0">
-            <a:schemeClr val="accent1"/>
-          </a:effectRef>
-          <a:fontRef idx="minor">
-            <a:schemeClr val="tx1"/>
-          </a:fontRef>
-        </p:style>
-      </p:cxnSp>
-      <p:cxnSp>
-        <p:nvCxnSpPr>
-          <p:cNvPr id="109" name="Straight Connector 108"/>
-          <p:cNvCxnSpPr>
-            <a:stCxn id="59" idx="7"/>
-          </p:cNvCxnSpPr>
-          <p:nvPr/>
-        </p:nvCxnSpPr>
-        <p:spPr>
-          <a:xfrm flipV="1">
-            <a:off x="2058651" y="5458081"/>
-            <a:ext cx="382545" cy="327454"/>
+            <a:off x="1730648" y="5471018"/>
+            <a:ext cx="1343917" cy="311859"/>
           </a:xfrm>
           <a:prstGeom prst="line">
             <a:avLst/>
@@ -5606,8 +5510,261 @@
         </p:nvCxnSpPr>
         <p:spPr>
           <a:xfrm flipV="1">
-            <a:off x="2652473" y="5471018"/>
-            <a:ext cx="422092" cy="582337"/>
+            <a:off x="2071891" y="5471018"/>
+            <a:ext cx="1002674" cy="599458"/>
+          </a:xfrm>
+          <a:prstGeom prst="line">
+            <a:avLst/>
+          </a:prstGeom>
+        </p:spPr>
+        <p:style>
+          <a:lnRef idx="1">
+            <a:schemeClr val="accent1"/>
+          </a:lnRef>
+          <a:fillRef idx="0">
+            <a:schemeClr val="accent1"/>
+          </a:fillRef>
+          <a:effectRef idx="0">
+            <a:schemeClr val="accent1"/>
+          </a:effectRef>
+          <a:fontRef idx="minor">
+            <a:schemeClr val="tx1"/>
+          </a:fontRef>
+        </p:style>
+      </p:cxnSp>
+      <p:sp>
+        <p:nvSpPr>
+          <p:cNvPr id="76" name="Oval 75"/>
+          <p:cNvSpPr/>
+          <p:nvPr/>
+        </p:nvSpPr>
+        <p:spPr>
+          <a:xfrm>
+            <a:off x="809936" y="1379989"/>
+            <a:ext cx="918594" cy="453005"/>
+          </a:xfrm>
+          <a:prstGeom prst="ellipse">
+            <a:avLst/>
+          </a:prstGeom>
+          <a:solidFill>
+            <a:schemeClr val="accent6">
+              <a:lumMod val="60000"/>
+              <a:lumOff val="40000"/>
+            </a:schemeClr>
+          </a:solidFill>
+        </p:spPr>
+        <p:style>
+          <a:lnRef idx="2">
+            <a:schemeClr val="accent6">
+              <a:shade val="50000"/>
+            </a:schemeClr>
+          </a:lnRef>
+          <a:fillRef idx="1">
+            <a:schemeClr val="accent6"/>
+          </a:fillRef>
+          <a:effectRef idx="0">
+            <a:schemeClr val="accent6"/>
+          </a:effectRef>
+          <a:fontRef idx="minor">
+            <a:schemeClr val="lt1"/>
+          </a:fontRef>
+        </p:style>
+        <p:txBody>
+          <a:bodyPr rtlCol="0" anchor="ctr"/>
+          <a:lstStyle/>
+          <a:p>
+            <a:pPr algn="ctr"/>
+            <a:r>
+              <a:rPr lang="en-US" sz="1400" dirty="0"/>
+              <a:t>Name</a:t>
+            </a:r>
+          </a:p>
+        </p:txBody>
+      </p:sp>
+      <p:cxnSp>
+        <p:nvCxnSpPr>
+          <p:cNvPr id="3" name="Straight Connector 2"/>
+          <p:cNvCxnSpPr>
+            <a:stCxn id="76" idx="6"/>
+            <a:endCxn id="6" idx="1"/>
+          </p:cNvCxnSpPr>
+          <p:nvPr/>
+        </p:nvCxnSpPr>
+        <p:spPr>
+          <a:xfrm>
+            <a:off x="1728530" y="1606492"/>
+            <a:ext cx="712666" cy="109756"/>
+          </a:xfrm>
+          <a:prstGeom prst="line">
+            <a:avLst/>
+          </a:prstGeom>
+        </p:spPr>
+        <p:style>
+          <a:lnRef idx="1">
+            <a:schemeClr val="accent1"/>
+          </a:lnRef>
+          <a:fillRef idx="0">
+            <a:schemeClr val="accent1"/>
+          </a:fillRef>
+          <a:effectRef idx="0">
+            <a:schemeClr val="accent1"/>
+          </a:effectRef>
+          <a:fontRef idx="minor">
+            <a:schemeClr val="tx1"/>
+          </a:fontRef>
+        </p:style>
+      </p:cxnSp>
+      <p:sp>
+        <p:nvSpPr>
+          <p:cNvPr id="78" name="Oval 77"/>
+          <p:cNvSpPr/>
+          <p:nvPr/>
+        </p:nvSpPr>
+        <p:spPr>
+          <a:xfrm>
+            <a:off x="765495" y="2054252"/>
+            <a:ext cx="918594" cy="453005"/>
+          </a:xfrm>
+          <a:prstGeom prst="ellipse">
+            <a:avLst/>
+          </a:prstGeom>
+          <a:solidFill>
+            <a:schemeClr val="accent6">
+              <a:lumMod val="60000"/>
+              <a:lumOff val="40000"/>
+            </a:schemeClr>
+          </a:solidFill>
+        </p:spPr>
+        <p:style>
+          <a:lnRef idx="2">
+            <a:schemeClr val="accent6">
+              <a:shade val="50000"/>
+            </a:schemeClr>
+          </a:lnRef>
+          <a:fillRef idx="1">
+            <a:schemeClr val="accent6"/>
+          </a:fillRef>
+          <a:effectRef idx="0">
+            <a:schemeClr val="accent6"/>
+          </a:effectRef>
+          <a:fontRef idx="minor">
+            <a:schemeClr val="lt1"/>
+          </a:fontRef>
+        </p:style>
+        <p:txBody>
+          <a:bodyPr rtlCol="0" anchor="ctr"/>
+          <a:lstStyle/>
+          <a:p>
+            <a:pPr algn="ctr"/>
+            <a:r>
+              <a:rPr lang="en-US" sz="1000" dirty="0"/>
+              <a:t>Website</a:t>
+            </a:r>
+          </a:p>
+        </p:txBody>
+      </p:sp>
+      <p:cxnSp>
+        <p:nvCxnSpPr>
+          <p:cNvPr id="12" name="Straight Connector 11"/>
+          <p:cNvCxnSpPr>
+            <a:stCxn id="78" idx="7"/>
+            <a:endCxn id="6" idx="1"/>
+          </p:cNvCxnSpPr>
+          <p:nvPr/>
+        </p:nvCxnSpPr>
+        <p:spPr>
+          <a:xfrm flipV="1">
+            <a:off x="1549564" y="1716248"/>
+            <a:ext cx="891632" cy="404345"/>
+          </a:xfrm>
+          <a:prstGeom prst="line">
+            <a:avLst/>
+          </a:prstGeom>
+        </p:spPr>
+        <p:style>
+          <a:lnRef idx="1">
+            <a:schemeClr val="accent1"/>
+          </a:lnRef>
+          <a:fillRef idx="0">
+            <a:schemeClr val="accent1"/>
+          </a:fillRef>
+          <a:effectRef idx="0">
+            <a:schemeClr val="accent1"/>
+          </a:effectRef>
+          <a:fontRef idx="minor">
+            <a:schemeClr val="tx1"/>
+          </a:fontRef>
+        </p:style>
+      </p:cxnSp>
+      <p:sp>
+        <p:nvSpPr>
+          <p:cNvPr id="80" name="Oval 79"/>
+          <p:cNvSpPr/>
+          <p:nvPr/>
+        </p:nvSpPr>
+        <p:spPr>
+          <a:xfrm>
+            <a:off x="10384470" y="4906296"/>
+            <a:ext cx="918594" cy="453005"/>
+          </a:xfrm>
+          <a:prstGeom prst="ellipse">
+            <a:avLst/>
+          </a:prstGeom>
+          <a:solidFill>
+            <a:schemeClr val="accent6">
+              <a:lumMod val="60000"/>
+              <a:lumOff val="40000"/>
+            </a:schemeClr>
+          </a:solidFill>
+        </p:spPr>
+        <p:style>
+          <a:lnRef idx="2">
+            <a:schemeClr val="accent6">
+              <a:shade val="50000"/>
+            </a:schemeClr>
+          </a:lnRef>
+          <a:fillRef idx="1">
+            <a:schemeClr val="accent6"/>
+          </a:fillRef>
+          <a:effectRef idx="0">
+            <a:schemeClr val="accent6"/>
+          </a:effectRef>
+          <a:fontRef idx="minor">
+            <a:schemeClr val="lt1"/>
+          </a:fontRef>
+        </p:style>
+        <p:txBody>
+          <a:bodyPr rtlCol="0" anchor="ctr"/>
+          <a:lstStyle/>
+          <a:p>
+            <a:pPr algn="ctr"/>
+            <a:r>
+              <a:rPr lang="en-US" sz="1000" dirty="0"/>
+              <a:t>Unit</a:t>
+            </a:r>
+          </a:p>
+          <a:p>
+            <a:pPr algn="ctr"/>
+            <a:r>
+              <a:rPr lang="en-US" sz="1000" dirty="0"/>
+              <a:t>Size</a:t>
+            </a:r>
+          </a:p>
+        </p:txBody>
+      </p:sp>
+      <p:cxnSp>
+        <p:nvCxnSpPr>
+          <p:cNvPr id="19" name="Straight Connector 18"/>
+          <p:cNvCxnSpPr>
+            <a:stCxn id="7" idx="3"/>
+            <a:endCxn id="80" idx="2"/>
+          </p:cNvCxnSpPr>
+          <p:nvPr/>
+        </p:nvCxnSpPr>
+        <p:spPr>
+          <a:xfrm flipV="1">
+            <a:off x="9387280" y="5132799"/>
+            <a:ext cx="997190" cy="61382"/>
           </a:xfrm>
           <a:prstGeom prst="line">
             <a:avLst/>

--- a/project/ERD.pptx
+++ b/project/ERD.pptx
@@ -112,6 +112,10 @@
 </p:presentation>
 </file>
 
+<file path=ppt/revisionInfo.xml><?xml version="1.0" encoding="utf-8"?>
+<p1510:revInfo xmlns:a="http://schemas.openxmlformats.org/drawingml/2006/main" xmlns:r="http://schemas.openxmlformats.org/officeDocument/2006/relationships" xmlns:p1510="http://schemas.microsoft.com/office/powerpoint/2015/10/main"/>
+</file>
+
 <file path=ppt/slideLayouts/slideLayout1.xml><?xml version="1.0" encoding="utf-8"?>
 <p:sldLayout xmlns:a="http://schemas.openxmlformats.org/drawingml/2006/main" xmlns:r="http://schemas.openxmlformats.org/officeDocument/2006/relationships" xmlns:p="http://schemas.openxmlformats.org/presentationml/2006/main" type="title" preserve="1">
   <p:cSld name="Title Slide">
@@ -241,7 +245,7 @@
           <a:p>
             <a:fld id="{845AE16D-E0C5-4C54-AE9D-314CFA4356E3}" type="datetimeFigureOut">
               <a:rPr lang="en-US" smtClean="0"/>
-              <a:t>3/2/2017</a:t>
+              <a:t>5/18/2017</a:t>
             </a:fld>
             <a:endParaRPr lang="en-US"/>
           </a:p>
@@ -409,7 +413,7 @@
           <a:p>
             <a:fld id="{845AE16D-E0C5-4C54-AE9D-314CFA4356E3}" type="datetimeFigureOut">
               <a:rPr lang="en-US" smtClean="0"/>
-              <a:t>3/2/2017</a:t>
+              <a:t>5/18/2017</a:t>
             </a:fld>
             <a:endParaRPr lang="en-US"/>
           </a:p>
@@ -587,7 +591,7 @@
           <a:p>
             <a:fld id="{845AE16D-E0C5-4C54-AE9D-314CFA4356E3}" type="datetimeFigureOut">
               <a:rPr lang="en-US" smtClean="0"/>
-              <a:t>3/2/2017</a:t>
+              <a:t>5/18/2017</a:t>
             </a:fld>
             <a:endParaRPr lang="en-US"/>
           </a:p>
@@ -755,7 +759,7 @@
           <a:p>
             <a:fld id="{845AE16D-E0C5-4C54-AE9D-314CFA4356E3}" type="datetimeFigureOut">
               <a:rPr lang="en-US" smtClean="0"/>
-              <a:t>3/2/2017</a:t>
+              <a:t>5/18/2017</a:t>
             </a:fld>
             <a:endParaRPr lang="en-US"/>
           </a:p>
@@ -1000,7 +1004,7 @@
           <a:p>
             <a:fld id="{845AE16D-E0C5-4C54-AE9D-314CFA4356E3}" type="datetimeFigureOut">
               <a:rPr lang="en-US" smtClean="0"/>
-              <a:t>3/2/2017</a:t>
+              <a:t>5/18/2017</a:t>
             </a:fld>
             <a:endParaRPr lang="en-US"/>
           </a:p>
@@ -1229,7 +1233,7 @@
           <a:p>
             <a:fld id="{845AE16D-E0C5-4C54-AE9D-314CFA4356E3}" type="datetimeFigureOut">
               <a:rPr lang="en-US" smtClean="0"/>
-              <a:t>3/2/2017</a:t>
+              <a:t>5/18/2017</a:t>
             </a:fld>
             <a:endParaRPr lang="en-US"/>
           </a:p>
@@ -1593,7 +1597,7 @@
           <a:p>
             <a:fld id="{845AE16D-E0C5-4C54-AE9D-314CFA4356E3}" type="datetimeFigureOut">
               <a:rPr lang="en-US" smtClean="0"/>
-              <a:t>3/2/2017</a:t>
+              <a:t>5/18/2017</a:t>
             </a:fld>
             <a:endParaRPr lang="en-US"/>
           </a:p>
@@ -1710,7 +1714,7 @@
           <a:p>
             <a:fld id="{845AE16D-E0C5-4C54-AE9D-314CFA4356E3}" type="datetimeFigureOut">
               <a:rPr lang="en-US" smtClean="0"/>
-              <a:t>3/2/2017</a:t>
+              <a:t>5/18/2017</a:t>
             </a:fld>
             <a:endParaRPr lang="en-US"/>
           </a:p>
@@ -1805,7 +1809,7 @@
           <a:p>
             <a:fld id="{845AE16D-E0C5-4C54-AE9D-314CFA4356E3}" type="datetimeFigureOut">
               <a:rPr lang="en-US" smtClean="0"/>
-              <a:t>3/2/2017</a:t>
+              <a:t>5/18/2017</a:t>
             </a:fld>
             <a:endParaRPr lang="en-US"/>
           </a:p>
@@ -2080,7 +2084,7 @@
           <a:p>
             <a:fld id="{845AE16D-E0C5-4C54-AE9D-314CFA4356E3}" type="datetimeFigureOut">
               <a:rPr lang="en-US" smtClean="0"/>
-              <a:t>3/2/2017</a:t>
+              <a:t>5/18/2017</a:t>
             </a:fld>
             <a:endParaRPr lang="en-US"/>
           </a:p>
@@ -2332,7 +2336,7 @@
           <a:p>
             <a:fld id="{845AE16D-E0C5-4C54-AE9D-314CFA4356E3}" type="datetimeFigureOut">
               <a:rPr lang="en-US" smtClean="0"/>
-              <a:t>3/2/2017</a:t>
+              <a:t>5/18/2017</a:t>
             </a:fld>
             <a:endParaRPr lang="en-US"/>
           </a:p>
@@ -2543,7 +2547,7 @@
           <a:p>
             <a:fld id="{845AE16D-E0C5-4C54-AE9D-314CFA4356E3}" type="datetimeFigureOut">
               <a:rPr lang="en-US" smtClean="0"/>
-              <a:t>3/2/2017</a:t>
+              <a:t>5/18/2017</a:t>
             </a:fld>
             <a:endParaRPr lang="en-US"/>
           </a:p>
@@ -2986,7 +2990,7 @@
             <a:pPr algn="ctr"/>
             <a:r>
               <a:rPr lang="en-US" dirty="0"/>
-              <a:t>Brand</a:t>
+              <a:t>Parent Company</a:t>
             </a:r>
           </a:p>
         </p:txBody>
@@ -4425,7 +4429,7 @@
         </p:nvSpPr>
         <p:spPr>
           <a:xfrm>
-            <a:off x="10517695" y="3226056"/>
+            <a:off x="10500919" y="3571181"/>
             <a:ext cx="918594" cy="453005"/>
           </a:xfrm>
           <a:prstGeom prst="ellipse">
@@ -4474,7 +4478,7 @@
         </p:nvSpPr>
         <p:spPr>
           <a:xfrm>
-            <a:off x="10501441" y="2659739"/>
+            <a:off x="10509308" y="3035767"/>
             <a:ext cx="918594" cy="453005"/>
           </a:xfrm>
           <a:prstGeom prst="ellipse">
@@ -4523,7 +4527,7 @@
         </p:nvSpPr>
         <p:spPr>
           <a:xfrm>
-            <a:off x="10501440" y="3810003"/>
+            <a:off x="10501441" y="4121869"/>
             <a:ext cx="918594" cy="453005"/>
           </a:xfrm>
           <a:prstGeom prst="ellipse">
@@ -4572,7 +4576,7 @@
         </p:nvSpPr>
         <p:spPr>
           <a:xfrm>
-            <a:off x="8124734" y="6047753"/>
+            <a:off x="8609200" y="6166304"/>
             <a:ext cx="918594" cy="453005"/>
           </a:xfrm>
           <a:prstGeom prst="ellipse">
@@ -4670,7 +4674,7 @@
         </p:nvSpPr>
         <p:spPr>
           <a:xfrm>
-            <a:off x="9192930" y="5908988"/>
+            <a:off x="9520593" y="5939802"/>
             <a:ext cx="918594" cy="453005"/>
           </a:xfrm>
           <a:prstGeom prst="ellipse">
@@ -5181,8 +5185,8 @@
         </p:nvCxnSpPr>
         <p:spPr>
           <a:xfrm flipH="1">
-            <a:off x="9387280" y="2886242"/>
-            <a:ext cx="1114161" cy="568972"/>
+            <a:off x="9387280" y="3262270"/>
+            <a:ext cx="1122028" cy="192944"/>
           </a:xfrm>
           <a:prstGeom prst="line">
             <a:avLst/>
@@ -5213,9 +5217,9 @@
           <p:nvPr/>
         </p:nvCxnSpPr>
         <p:spPr>
-          <a:xfrm flipH="1">
-            <a:off x="9387280" y="3452559"/>
-            <a:ext cx="1130415" cy="2655"/>
+          <a:xfrm flipH="1" flipV="1">
+            <a:off x="9387280" y="3455214"/>
+            <a:ext cx="1113639" cy="342470"/>
           </a:xfrm>
           <a:prstGeom prst="line">
             <a:avLst/>
@@ -5248,7 +5252,7 @@
         <p:spPr>
           <a:xfrm flipH="1" flipV="1">
             <a:off x="9387280" y="3455214"/>
-            <a:ext cx="1114160" cy="581292"/>
+            <a:ext cx="1114161" cy="893158"/>
           </a:xfrm>
           <a:prstGeom prst="line">
             <a:avLst/>
@@ -5314,7 +5318,7 @@
         <p:spPr>
           <a:xfrm flipH="1" flipV="1">
             <a:off x="8753911" y="5471017"/>
-            <a:ext cx="898316" cy="437971"/>
+            <a:ext cx="1225979" cy="468785"/>
           </a:xfrm>
           <a:prstGeom prst="line">
             <a:avLst/>
@@ -5345,9 +5349,9 @@
           <p:nvPr/>
         </p:nvCxnSpPr>
         <p:spPr>
-          <a:xfrm flipV="1">
-            <a:off x="8584031" y="5471017"/>
-            <a:ext cx="169880" cy="576736"/>
+          <a:xfrm flipH="1" flipV="1">
+            <a:off x="8753911" y="5471017"/>
+            <a:ext cx="314586" cy="695287"/>
           </a:xfrm>
           <a:prstGeom prst="line">
             <a:avLst/>
@@ -5765,6 +5769,497 @@
           <a:xfrm flipV="1">
             <a:off x="9387280" y="5132799"/>
             <a:ext cx="997190" cy="61382"/>
+          </a:xfrm>
+          <a:prstGeom prst="line">
+            <a:avLst/>
+          </a:prstGeom>
+        </p:spPr>
+        <p:style>
+          <a:lnRef idx="1">
+            <a:schemeClr val="accent1"/>
+          </a:lnRef>
+          <a:fillRef idx="0">
+            <a:schemeClr val="accent1"/>
+          </a:fillRef>
+          <a:effectRef idx="0">
+            <a:schemeClr val="accent1"/>
+          </a:effectRef>
+          <a:fontRef idx="minor">
+            <a:schemeClr val="tx1"/>
+          </a:fontRef>
+        </p:style>
+      </p:cxnSp>
+      <p:sp>
+        <p:nvSpPr>
+          <p:cNvPr id="81" name="Oval 80"/>
+          <p:cNvSpPr/>
+          <p:nvPr/>
+        </p:nvSpPr>
+        <p:spPr>
+          <a:xfrm>
+            <a:off x="977317" y="2670843"/>
+            <a:ext cx="918594" cy="453005"/>
+          </a:xfrm>
+          <a:prstGeom prst="ellipse">
+            <a:avLst/>
+          </a:prstGeom>
+          <a:solidFill>
+            <a:schemeClr val="accent6">
+              <a:lumMod val="60000"/>
+              <a:lumOff val="40000"/>
+            </a:schemeClr>
+          </a:solidFill>
+        </p:spPr>
+        <p:style>
+          <a:lnRef idx="2">
+            <a:schemeClr val="accent6">
+              <a:shade val="50000"/>
+            </a:schemeClr>
+          </a:lnRef>
+          <a:fillRef idx="1">
+            <a:schemeClr val="accent6"/>
+          </a:fillRef>
+          <a:effectRef idx="0">
+            <a:schemeClr val="accent6"/>
+          </a:effectRef>
+          <a:fontRef idx="minor">
+            <a:schemeClr val="lt1"/>
+          </a:fontRef>
+        </p:style>
+        <p:txBody>
+          <a:bodyPr rtlCol="0" anchor="ctr"/>
+          <a:lstStyle/>
+          <a:p>
+            <a:pPr algn="ctr"/>
+            <a:r>
+              <a:rPr lang="en-US" sz="1000" u="sng" dirty="0"/>
+              <a:t>ID</a:t>
+            </a:r>
+          </a:p>
+        </p:txBody>
+      </p:sp>
+      <p:sp>
+        <p:nvSpPr>
+          <p:cNvPr id="84" name="Oval 83"/>
+          <p:cNvSpPr/>
+          <p:nvPr/>
+        </p:nvSpPr>
+        <p:spPr>
+          <a:xfrm>
+            <a:off x="9644499" y="1020908"/>
+            <a:ext cx="918594" cy="453005"/>
+          </a:xfrm>
+          <a:prstGeom prst="ellipse">
+            <a:avLst/>
+          </a:prstGeom>
+          <a:solidFill>
+            <a:schemeClr val="accent6">
+              <a:lumMod val="60000"/>
+              <a:lumOff val="40000"/>
+            </a:schemeClr>
+          </a:solidFill>
+        </p:spPr>
+        <p:style>
+          <a:lnRef idx="2">
+            <a:schemeClr val="accent6">
+              <a:shade val="50000"/>
+            </a:schemeClr>
+          </a:lnRef>
+          <a:fillRef idx="1">
+            <a:schemeClr val="accent6"/>
+          </a:fillRef>
+          <a:effectRef idx="0">
+            <a:schemeClr val="accent6"/>
+          </a:effectRef>
+          <a:fontRef idx="minor">
+            <a:schemeClr val="lt1"/>
+          </a:fontRef>
+        </p:style>
+        <p:txBody>
+          <a:bodyPr rtlCol="0" anchor="ctr"/>
+          <a:lstStyle/>
+          <a:p>
+            <a:pPr algn="ctr"/>
+            <a:r>
+              <a:rPr lang="en-US" sz="1000" u="sng" dirty="0"/>
+              <a:t>ID</a:t>
+            </a:r>
+          </a:p>
+        </p:txBody>
+      </p:sp>
+      <p:sp>
+        <p:nvSpPr>
+          <p:cNvPr id="86" name="Oval 85"/>
+          <p:cNvSpPr/>
+          <p:nvPr/>
+        </p:nvSpPr>
+        <p:spPr>
+          <a:xfrm>
+            <a:off x="10496375" y="2470257"/>
+            <a:ext cx="918594" cy="453005"/>
+          </a:xfrm>
+          <a:prstGeom prst="ellipse">
+            <a:avLst/>
+          </a:prstGeom>
+          <a:solidFill>
+            <a:schemeClr val="accent6">
+              <a:lumMod val="60000"/>
+              <a:lumOff val="40000"/>
+            </a:schemeClr>
+          </a:solidFill>
+        </p:spPr>
+        <p:style>
+          <a:lnRef idx="2">
+            <a:schemeClr val="accent6">
+              <a:shade val="50000"/>
+            </a:schemeClr>
+          </a:lnRef>
+          <a:fillRef idx="1">
+            <a:schemeClr val="accent6"/>
+          </a:fillRef>
+          <a:effectRef idx="0">
+            <a:schemeClr val="accent6"/>
+          </a:effectRef>
+          <a:fontRef idx="minor">
+            <a:schemeClr val="lt1"/>
+          </a:fontRef>
+        </p:style>
+        <p:txBody>
+          <a:bodyPr rtlCol="0" anchor="ctr"/>
+          <a:lstStyle/>
+          <a:p>
+            <a:pPr algn="ctr"/>
+            <a:r>
+              <a:rPr lang="en-US" sz="1000" u="sng" dirty="0"/>
+              <a:t>ID</a:t>
+            </a:r>
+          </a:p>
+        </p:txBody>
+      </p:sp>
+      <p:cxnSp>
+        <p:nvCxnSpPr>
+          <p:cNvPr id="20" name="Straight Connector 19"/>
+          <p:cNvCxnSpPr>
+            <a:stCxn id="86" idx="2"/>
+            <a:endCxn id="37" idx="3"/>
+          </p:cNvCxnSpPr>
+          <p:nvPr/>
+        </p:nvCxnSpPr>
+        <p:spPr>
+          <a:xfrm flipH="1">
+            <a:off x="9387280" y="2696760"/>
+            <a:ext cx="1109095" cy="758454"/>
+          </a:xfrm>
+          <a:prstGeom prst="line">
+            <a:avLst/>
+          </a:prstGeom>
+        </p:spPr>
+        <p:style>
+          <a:lnRef idx="1">
+            <a:schemeClr val="accent1"/>
+          </a:lnRef>
+          <a:fillRef idx="0">
+            <a:schemeClr val="accent1"/>
+          </a:fillRef>
+          <a:effectRef idx="0">
+            <a:schemeClr val="accent1"/>
+          </a:effectRef>
+          <a:fontRef idx="minor">
+            <a:schemeClr val="tx1"/>
+          </a:fontRef>
+        </p:style>
+      </p:cxnSp>
+      <p:sp>
+        <p:nvSpPr>
+          <p:cNvPr id="88" name="Oval 87"/>
+          <p:cNvSpPr/>
+          <p:nvPr/>
+        </p:nvSpPr>
+        <p:spPr>
+          <a:xfrm>
+            <a:off x="7609269" y="6166304"/>
+            <a:ext cx="918594" cy="453005"/>
+          </a:xfrm>
+          <a:prstGeom prst="ellipse">
+            <a:avLst/>
+          </a:prstGeom>
+          <a:solidFill>
+            <a:schemeClr val="accent6">
+              <a:lumMod val="60000"/>
+              <a:lumOff val="40000"/>
+            </a:schemeClr>
+          </a:solidFill>
+        </p:spPr>
+        <p:style>
+          <a:lnRef idx="2">
+            <a:schemeClr val="accent6">
+              <a:shade val="50000"/>
+            </a:schemeClr>
+          </a:lnRef>
+          <a:fillRef idx="1">
+            <a:schemeClr val="accent6"/>
+          </a:fillRef>
+          <a:effectRef idx="0">
+            <a:schemeClr val="accent6"/>
+          </a:effectRef>
+          <a:fontRef idx="minor">
+            <a:schemeClr val="lt1"/>
+          </a:fontRef>
+        </p:style>
+        <p:txBody>
+          <a:bodyPr rtlCol="0" anchor="ctr"/>
+          <a:lstStyle/>
+          <a:p>
+            <a:pPr algn="ctr"/>
+            <a:r>
+              <a:rPr lang="en-US" sz="1000" u="sng" dirty="0"/>
+              <a:t>ID</a:t>
+            </a:r>
+          </a:p>
+        </p:txBody>
+      </p:sp>
+      <p:cxnSp>
+        <p:nvCxnSpPr>
+          <p:cNvPr id="29" name="Straight Connector 28"/>
+          <p:cNvCxnSpPr>
+            <a:stCxn id="88" idx="0"/>
+            <a:endCxn id="7" idx="2"/>
+          </p:cNvCxnSpPr>
+          <p:nvPr/>
+        </p:nvCxnSpPr>
+        <p:spPr>
+          <a:xfrm flipV="1">
+            <a:off x="8068566" y="5471017"/>
+            <a:ext cx="685345" cy="695287"/>
+          </a:xfrm>
+          <a:prstGeom prst="line">
+            <a:avLst/>
+          </a:prstGeom>
+        </p:spPr>
+        <p:style>
+          <a:lnRef idx="1">
+            <a:schemeClr val="accent1"/>
+          </a:lnRef>
+          <a:fillRef idx="0">
+            <a:schemeClr val="accent1"/>
+          </a:fillRef>
+          <a:effectRef idx="0">
+            <a:schemeClr val="accent1"/>
+          </a:effectRef>
+          <a:fontRef idx="minor">
+            <a:schemeClr val="tx1"/>
+          </a:fontRef>
+        </p:style>
+      </p:cxnSp>
+      <p:sp>
+        <p:nvSpPr>
+          <p:cNvPr id="90" name="Oval 89"/>
+          <p:cNvSpPr/>
+          <p:nvPr/>
+        </p:nvSpPr>
+        <p:spPr>
+          <a:xfrm>
+            <a:off x="3550633" y="5839425"/>
+            <a:ext cx="918594" cy="453005"/>
+          </a:xfrm>
+          <a:prstGeom prst="ellipse">
+            <a:avLst/>
+          </a:prstGeom>
+          <a:solidFill>
+            <a:schemeClr val="accent6">
+              <a:lumMod val="60000"/>
+              <a:lumOff val="40000"/>
+            </a:schemeClr>
+          </a:solidFill>
+        </p:spPr>
+        <p:style>
+          <a:lnRef idx="2">
+            <a:schemeClr val="accent6">
+              <a:shade val="50000"/>
+            </a:schemeClr>
+          </a:lnRef>
+          <a:fillRef idx="1">
+            <a:schemeClr val="accent6"/>
+          </a:fillRef>
+          <a:effectRef idx="0">
+            <a:schemeClr val="accent6"/>
+          </a:effectRef>
+          <a:fontRef idx="minor">
+            <a:schemeClr val="lt1"/>
+          </a:fontRef>
+        </p:style>
+        <p:txBody>
+          <a:bodyPr rtlCol="0" anchor="ctr"/>
+          <a:lstStyle/>
+          <a:p>
+            <a:pPr algn="ctr"/>
+            <a:r>
+              <a:rPr lang="en-US" sz="1000" u="sng" dirty="0"/>
+              <a:t>ID</a:t>
+            </a:r>
+          </a:p>
+        </p:txBody>
+      </p:sp>
+      <p:cxnSp>
+        <p:nvCxnSpPr>
+          <p:cNvPr id="33" name="Straight Connector 32"/>
+          <p:cNvCxnSpPr>
+            <a:stCxn id="90" idx="0"/>
+          </p:cNvCxnSpPr>
+          <p:nvPr/>
+        </p:nvCxnSpPr>
+        <p:spPr>
+          <a:xfrm flipV="1">
+            <a:off x="4009930" y="4217920"/>
+            <a:ext cx="1861446" cy="1621505"/>
+          </a:xfrm>
+          <a:prstGeom prst="line">
+            <a:avLst/>
+          </a:prstGeom>
+        </p:spPr>
+        <p:style>
+          <a:lnRef idx="1">
+            <a:schemeClr val="accent1"/>
+          </a:lnRef>
+          <a:fillRef idx="0">
+            <a:schemeClr val="accent1"/>
+          </a:fillRef>
+          <a:effectRef idx="0">
+            <a:schemeClr val="accent1"/>
+          </a:effectRef>
+          <a:fontRef idx="minor">
+            <a:schemeClr val="tx1"/>
+          </a:fontRef>
+        </p:style>
+      </p:cxnSp>
+      <p:sp>
+        <p:nvSpPr>
+          <p:cNvPr id="92" name="Oval 91"/>
+          <p:cNvSpPr/>
+          <p:nvPr/>
+        </p:nvSpPr>
+        <p:spPr>
+          <a:xfrm>
+            <a:off x="630970" y="4936987"/>
+            <a:ext cx="918594" cy="453005"/>
+          </a:xfrm>
+          <a:prstGeom prst="ellipse">
+            <a:avLst/>
+          </a:prstGeom>
+          <a:solidFill>
+            <a:schemeClr val="accent6">
+              <a:lumMod val="60000"/>
+              <a:lumOff val="40000"/>
+            </a:schemeClr>
+          </a:solidFill>
+        </p:spPr>
+        <p:style>
+          <a:lnRef idx="2">
+            <a:schemeClr val="accent6">
+              <a:shade val="50000"/>
+            </a:schemeClr>
+          </a:lnRef>
+          <a:fillRef idx="1">
+            <a:schemeClr val="accent6"/>
+          </a:fillRef>
+          <a:effectRef idx="0">
+            <a:schemeClr val="accent6"/>
+          </a:effectRef>
+          <a:fontRef idx="minor">
+            <a:schemeClr val="lt1"/>
+          </a:fontRef>
+        </p:style>
+        <p:txBody>
+          <a:bodyPr rtlCol="0" anchor="ctr"/>
+          <a:lstStyle/>
+          <a:p>
+            <a:pPr algn="ctr"/>
+            <a:r>
+              <a:rPr lang="en-US" sz="1000" u="sng" dirty="0"/>
+              <a:t>ID</a:t>
+            </a:r>
+          </a:p>
+        </p:txBody>
+      </p:sp>
+      <p:cxnSp>
+        <p:nvCxnSpPr>
+          <p:cNvPr id="35" name="Straight Connector 34"/>
+          <p:cNvCxnSpPr>
+            <a:stCxn id="92" idx="6"/>
+            <a:endCxn id="8" idx="1"/>
+          </p:cNvCxnSpPr>
+          <p:nvPr/>
+        </p:nvCxnSpPr>
+        <p:spPr>
+          <a:xfrm>
+            <a:off x="1549564" y="5163490"/>
+            <a:ext cx="891632" cy="30692"/>
+          </a:xfrm>
+          <a:prstGeom prst="line">
+            <a:avLst/>
+          </a:prstGeom>
+        </p:spPr>
+        <p:style>
+          <a:lnRef idx="1">
+            <a:schemeClr val="accent1"/>
+          </a:lnRef>
+          <a:fillRef idx="0">
+            <a:schemeClr val="accent1"/>
+          </a:fillRef>
+          <a:effectRef idx="0">
+            <a:schemeClr val="accent1"/>
+          </a:effectRef>
+          <a:fontRef idx="minor">
+            <a:schemeClr val="tx1"/>
+          </a:fontRef>
+        </p:style>
+      </p:cxnSp>
+      <p:cxnSp>
+        <p:nvCxnSpPr>
+          <p:cNvPr id="39" name="Straight Connector 38"/>
+          <p:cNvCxnSpPr>
+            <a:stCxn id="4" idx="0"/>
+            <a:endCxn id="84" idx="2"/>
+          </p:cNvCxnSpPr>
+          <p:nvPr/>
+        </p:nvCxnSpPr>
+        <p:spPr>
+          <a:xfrm flipV="1">
+            <a:off x="8753911" y="1247411"/>
+            <a:ext cx="890588" cy="192000"/>
+          </a:xfrm>
+          <a:prstGeom prst="line">
+            <a:avLst/>
+          </a:prstGeom>
+        </p:spPr>
+        <p:style>
+          <a:lnRef idx="1">
+            <a:schemeClr val="accent1"/>
+          </a:lnRef>
+          <a:fillRef idx="0">
+            <a:schemeClr val="accent1"/>
+          </a:fillRef>
+          <a:effectRef idx="0">
+            <a:schemeClr val="accent1"/>
+          </a:effectRef>
+          <a:fontRef idx="minor">
+            <a:schemeClr val="tx1"/>
+          </a:fontRef>
+        </p:style>
+      </p:cxnSp>
+      <p:cxnSp>
+        <p:nvCxnSpPr>
+          <p:cNvPr id="41" name="Straight Connector 40"/>
+          <p:cNvCxnSpPr>
+            <a:stCxn id="81" idx="7"/>
+            <a:endCxn id="6" idx="1"/>
+          </p:cNvCxnSpPr>
+          <p:nvPr/>
+        </p:nvCxnSpPr>
+        <p:spPr>
+          <a:xfrm flipV="1">
+            <a:off x="1761386" y="1716248"/>
+            <a:ext cx="679810" cy="1020936"/>
           </a:xfrm>
           <a:prstGeom prst="line">
             <a:avLst/>
